--- a/test/pptx/background-image/moved-layouts.pptx
+++ b/test/pptx/background-image/moved-layouts.pptx
@@ -519,47 +519,7 @@
             </a:pPr>
             <a:r>
               <a:rPr/>
-              <a:t>Blank</a:t>
-            </a:r>
-            <a:r>
-              <a:rPr/>
-              <a:t> </a:t>
-            </a:r>
-            <a:r>
-              <a:rPr/>
-              <a:t>slides</a:t>
-            </a:r>
-            <a:r>
-              <a:rPr/>
-              <a:t> </a:t>
-            </a:r>
-            <a:r>
-              <a:rPr/>
-              <a:t>can</a:t>
-            </a:r>
-            <a:r>
-              <a:rPr/>
-              <a:t> </a:t>
-            </a:r>
-            <a:r>
-              <a:rPr/>
-              <a:t>have</a:t>
-            </a:r>
-            <a:r>
-              <a:rPr/>
-              <a:t> </a:t>
-            </a:r>
-            <a:r>
-              <a:rPr/>
-              <a:t>background</a:t>
-            </a:r>
-            <a:r>
-              <a:rPr/>
-              <a:t> </a:t>
-            </a:r>
-            <a:r>
-              <a:rPr/>
-              <a:t>images.</a:t>
+              <a:t>Blank slides can have background images.</a:t>
             </a:r>
           </a:p>
         </p:txBody>
@@ -6248,39 +6208,7 @@
             </a:pPr>
             <a:r>
               <a:rPr/>
-              <a:t>Section</a:t>
-            </a:r>
-            <a:r>
-              <a:rPr/>
-              <a:t> </a:t>
-            </a:r>
-            <a:r>
-              <a:rPr/>
-              <a:t>Header</a:t>
-            </a:r>
-            <a:r>
-              <a:rPr/>
-              <a:t> </a:t>
-            </a:r>
-            <a:r>
-              <a:rPr/>
-              <a:t>(with</a:t>
-            </a:r>
-            <a:r>
-              <a:rPr/>
-              <a:t> </a:t>
-            </a:r>
-            <a:r>
-              <a:rPr/>
-              <a:t>background</a:t>
-            </a:r>
-            <a:r>
-              <a:rPr/>
-              <a:t> </a:t>
-            </a:r>
-            <a:r>
-              <a:rPr/>
-              <a:t>image)</a:t>
+              <a:t>Section Header (with background image)</a:t>
             </a:r>
           </a:p>
         </p:txBody>
@@ -6341,15 +6269,7 @@
             </a:pPr>
             <a:r>
               <a:rPr/>
-              <a:t>Slide</a:t>
-            </a:r>
-            <a:r>
-              <a:rPr/>
-              <a:t> </a:t>
-            </a:r>
-            <a:r>
-              <a:rPr/>
-              <a:t>1</a:t>
+              <a:t>Slide 1</a:t>
             </a:r>
           </a:p>
         </p:txBody>
@@ -6435,15 +6355,7 @@
             </a:pPr>
             <a:r>
               <a:rPr/>
-              <a:t>Slide</a:t>
-            </a:r>
-            <a:r>
-              <a:rPr/>
-              <a:t> </a:t>
-            </a:r>
-            <a:r>
-              <a:rPr/>
-              <a:t>2</a:t>
+              <a:t>Slide 2</a:t>
             </a:r>
           </a:p>
         </p:txBody>
@@ -6529,15 +6441,7 @@
             </a:pPr>
             <a:r>
               <a:rPr/>
-              <a:t>Slide</a:t>
-            </a:r>
-            <a:r>
-              <a:rPr/>
-              <a:t> </a:t>
-            </a:r>
-            <a:r>
-              <a:rPr/>
-              <a:t>3</a:t>
+              <a:t>Slide 3</a:t>
             </a:r>
           </a:p>
         </p:txBody>
@@ -6653,15 +6557,7 @@
             </a:pPr>
             <a:r>
               <a:rPr/>
-              <a:t>Slide</a:t>
-            </a:r>
-            <a:r>
-              <a:rPr/>
-              <a:t> </a:t>
-            </a:r>
-            <a:r>
-              <a:rPr/>
-              <a:t>4</a:t>
+              <a:t>Slide 4</a:t>
             </a:r>
           </a:p>
         </p:txBody>
@@ -6746,15 +6642,7 @@
             </a:pPr>
             <a:r>
               <a:rPr/>
-              <a:t>An</a:t>
-            </a:r>
-            <a:r>
-              <a:rPr/>
-              <a:t> </a:t>
-            </a:r>
-            <a:r>
-              <a:rPr/>
-              <a:t>image</a:t>
+              <a:t>An image</a:t>
             </a:r>
           </a:p>
         </p:txBody>

--- a/test/pptx/background-image/moved-layouts.pptx
+++ b/test/pptx/background-image/moved-layouts.pptx
@@ -519,43 +519,23 @@
             </a:pPr>
             <a:r>
               <a:rPr/>
-              <a:t>Blank</a:t>
+              <a:t>Blank </a:t>
             </a:r>
             <a:r>
               <a:rPr/>
-              <a:t> </a:t>
+              <a:t>slides </a:t>
             </a:r>
             <a:r>
               <a:rPr/>
-              <a:t>slides</a:t>
+              <a:t>can </a:t>
             </a:r>
             <a:r>
               <a:rPr/>
-              <a:t> </a:t>
+              <a:t>have </a:t>
             </a:r>
             <a:r>
               <a:rPr/>
-              <a:t>can</a:t>
-            </a:r>
-            <a:r>
-              <a:rPr/>
-              <a:t> </a:t>
-            </a:r>
-            <a:r>
-              <a:rPr/>
-              <a:t>have</a:t>
-            </a:r>
-            <a:r>
-              <a:rPr/>
-              <a:t> </a:t>
-            </a:r>
-            <a:r>
-              <a:rPr/>
-              <a:t>background</a:t>
-            </a:r>
-            <a:r>
-              <a:rPr/>
-              <a:t> </a:t>
+              <a:t>background </a:t>
             </a:r>
             <a:r>
               <a:rPr/>
@@ -6248,35 +6228,19 @@
             </a:pPr>
             <a:r>
               <a:rPr/>
-              <a:t>Section</a:t>
+              <a:t>Section </a:t>
             </a:r>
             <a:r>
               <a:rPr/>
-              <a:t> </a:t>
+              <a:t>Header </a:t>
             </a:r>
             <a:r>
               <a:rPr/>
-              <a:t>Header</a:t>
+              <a:t>(with </a:t>
             </a:r>
             <a:r>
               <a:rPr/>
-              <a:t> </a:t>
-            </a:r>
-            <a:r>
-              <a:rPr/>
-              <a:t>(with</a:t>
-            </a:r>
-            <a:r>
-              <a:rPr/>
-              <a:t> </a:t>
-            </a:r>
-            <a:r>
-              <a:rPr/>
-              <a:t>background</a:t>
-            </a:r>
-            <a:r>
-              <a:rPr/>
-              <a:t> </a:t>
+              <a:t>background </a:t>
             </a:r>
             <a:r>
               <a:rPr/>
@@ -6341,11 +6305,7 @@
             </a:pPr>
             <a:r>
               <a:rPr/>
-              <a:t>Slide</a:t>
-            </a:r>
-            <a:r>
-              <a:rPr/>
-              <a:t> </a:t>
+              <a:t>Slide </a:t>
             </a:r>
             <a:r>
               <a:rPr/>
@@ -6435,11 +6395,7 @@
             </a:pPr>
             <a:r>
               <a:rPr/>
-              <a:t>Slide</a:t>
-            </a:r>
-            <a:r>
-              <a:rPr/>
-              <a:t> </a:t>
+              <a:t>Slide </a:t>
             </a:r>
             <a:r>
               <a:rPr/>
@@ -6529,11 +6485,7 @@
             </a:pPr>
             <a:r>
               <a:rPr/>
-              <a:t>Slide</a:t>
-            </a:r>
-            <a:r>
-              <a:rPr/>
-              <a:t> </a:t>
+              <a:t>Slide </a:t>
             </a:r>
             <a:r>
               <a:rPr/>
@@ -6653,11 +6605,7 @@
             </a:pPr>
             <a:r>
               <a:rPr/>
-              <a:t>Slide</a:t>
-            </a:r>
-            <a:r>
-              <a:rPr/>
-              <a:t> </a:t>
+              <a:t>Slide </a:t>
             </a:r>
             <a:r>
               <a:rPr/>
@@ -6746,11 +6694,7 @@
             </a:pPr>
             <a:r>
               <a:rPr/>
-              <a:t>An</a:t>
-            </a:r>
-            <a:r>
-              <a:rPr/>
-              <a:t> </a:t>
+              <a:t>An </a:t>
             </a:r>
             <a:r>
               <a:rPr/>

--- a/test/pptx/background-image/moved-layouts.pptx
+++ b/test/pptx/background-image/moved-layouts.pptx
@@ -519,23 +519,43 @@
             </a:pPr>
             <a:r>
               <a:rPr/>
-              <a:t>Blank </a:t>
+              <a:t>Blank</a:t>
             </a:r>
             <a:r>
               <a:rPr/>
-              <a:t>slides </a:t>
+              <a:t> </a:t>
             </a:r>
             <a:r>
               <a:rPr/>
-              <a:t>can </a:t>
+              <a:t>slides</a:t>
             </a:r>
             <a:r>
               <a:rPr/>
-              <a:t>have </a:t>
+              <a:t> </a:t>
             </a:r>
             <a:r>
               <a:rPr/>
-              <a:t>background </a:t>
+              <a:t>can</a:t>
+            </a:r>
+            <a:r>
+              <a:rPr/>
+              <a:t> </a:t>
+            </a:r>
+            <a:r>
+              <a:rPr/>
+              <a:t>have</a:t>
+            </a:r>
+            <a:r>
+              <a:rPr/>
+              <a:t> </a:t>
+            </a:r>
+            <a:r>
+              <a:rPr/>
+              <a:t>background</a:t>
+            </a:r>
+            <a:r>
+              <a:rPr/>
+              <a:t> </a:t>
             </a:r>
             <a:r>
               <a:rPr/>
@@ -6228,19 +6248,35 @@
             </a:pPr>
             <a:r>
               <a:rPr/>
-              <a:t>Section </a:t>
+              <a:t>Section</a:t>
             </a:r>
             <a:r>
               <a:rPr/>
-              <a:t>Header </a:t>
+              <a:t> </a:t>
             </a:r>
             <a:r>
               <a:rPr/>
-              <a:t>(with </a:t>
+              <a:t>Header</a:t>
             </a:r>
             <a:r>
               <a:rPr/>
-              <a:t>background </a:t>
+              <a:t> </a:t>
+            </a:r>
+            <a:r>
+              <a:rPr/>
+              <a:t>(with</a:t>
+            </a:r>
+            <a:r>
+              <a:rPr/>
+              <a:t> </a:t>
+            </a:r>
+            <a:r>
+              <a:rPr/>
+              <a:t>background</a:t>
+            </a:r>
+            <a:r>
+              <a:rPr/>
+              <a:t> </a:t>
             </a:r>
             <a:r>
               <a:rPr/>
@@ -6305,7 +6341,11 @@
             </a:pPr>
             <a:r>
               <a:rPr/>
-              <a:t>Slide </a:t>
+              <a:t>Slide</a:t>
+            </a:r>
+            <a:r>
+              <a:rPr/>
+              <a:t> </a:t>
             </a:r>
             <a:r>
               <a:rPr/>
@@ -6395,7 +6435,11 @@
             </a:pPr>
             <a:r>
               <a:rPr/>
-              <a:t>Slide </a:t>
+              <a:t>Slide</a:t>
+            </a:r>
+            <a:r>
+              <a:rPr/>
+              <a:t> </a:t>
             </a:r>
             <a:r>
               <a:rPr/>
@@ -6485,7 +6529,11 @@
             </a:pPr>
             <a:r>
               <a:rPr/>
-              <a:t>Slide </a:t>
+              <a:t>Slide</a:t>
+            </a:r>
+            <a:r>
+              <a:rPr/>
+              <a:t> </a:t>
             </a:r>
             <a:r>
               <a:rPr/>
@@ -6605,7 +6653,11 @@
             </a:pPr>
             <a:r>
               <a:rPr/>
-              <a:t>Slide </a:t>
+              <a:t>Slide</a:t>
+            </a:r>
+            <a:r>
+              <a:rPr/>
+              <a:t> </a:t>
             </a:r>
             <a:r>
               <a:rPr/>
@@ -6694,7 +6746,11 @@
             </a:pPr>
             <a:r>
               <a:rPr/>
-              <a:t>An </a:t>
+              <a:t>An</a:t>
+            </a:r>
+            <a:r>
+              <a:rPr/>
+              <a:t> </a:t>
             </a:r>
             <a:r>
               <a:rPr/>
